--- a/SharedTimer/usecase/image/sharedtimer_img.pptx
+++ b/SharedTimer/usecase/image/sharedtimer_img.pptx
@@ -8,6 +8,7 @@
     <p:sldId id="256" r:id="rId2"/>
     <p:sldId id="257" r:id="rId3"/>
     <p:sldId id="258" r:id="rId4"/>
+    <p:sldId id="259" r:id="rId5"/>
   </p:sldIdLst>
   <p:sldSz cx="12192000" cy="6858000"/>
   <p:notesSz cx="6858000" cy="9144000"/>
@@ -272,7 +273,7 @@
           <a:p>
             <a:fld id="{C53E0F4C-3643-4E21-AA6B-5FA5F43504E5}" type="datetimeFigureOut">
               <a:rPr kumimoji="1" lang="ja-JP" altLang="en-US" smtClean="0"/>
-              <a:t>2022/6/27</a:t>
+              <a:t>2022/6/28</a:t>
             </a:fld>
             <a:endParaRPr kumimoji="1" lang="ja-JP" altLang="en-US"/>
           </a:p>
@@ -502,7 +503,7 @@
           <a:p>
             <a:fld id="{C53E0F4C-3643-4E21-AA6B-5FA5F43504E5}" type="datetimeFigureOut">
               <a:rPr kumimoji="1" lang="ja-JP" altLang="en-US" smtClean="0"/>
-              <a:t>2022/6/27</a:t>
+              <a:t>2022/6/28</a:t>
             </a:fld>
             <a:endParaRPr kumimoji="1" lang="ja-JP" altLang="en-US"/>
           </a:p>
@@ -742,7 +743,7 @@
           <a:p>
             <a:fld id="{C53E0F4C-3643-4E21-AA6B-5FA5F43504E5}" type="datetimeFigureOut">
               <a:rPr kumimoji="1" lang="ja-JP" altLang="en-US" smtClean="0"/>
-              <a:t>2022/6/27</a:t>
+              <a:t>2022/6/28</a:t>
             </a:fld>
             <a:endParaRPr kumimoji="1" lang="ja-JP" altLang="en-US"/>
           </a:p>
@@ -972,7 +973,7 @@
           <a:p>
             <a:fld id="{C53E0F4C-3643-4E21-AA6B-5FA5F43504E5}" type="datetimeFigureOut">
               <a:rPr kumimoji="1" lang="ja-JP" altLang="en-US" smtClean="0"/>
-              <a:t>2022/6/27</a:t>
+              <a:t>2022/6/28</a:t>
             </a:fld>
             <a:endParaRPr kumimoji="1" lang="ja-JP" altLang="en-US"/>
           </a:p>
@@ -1247,7 +1248,7 @@
           <a:p>
             <a:fld id="{C53E0F4C-3643-4E21-AA6B-5FA5F43504E5}" type="datetimeFigureOut">
               <a:rPr kumimoji="1" lang="ja-JP" altLang="en-US" smtClean="0"/>
-              <a:t>2022/6/27</a:t>
+              <a:t>2022/6/28</a:t>
             </a:fld>
             <a:endParaRPr kumimoji="1" lang="ja-JP" altLang="en-US"/>
           </a:p>
@@ -1576,7 +1577,7 @@
           <a:p>
             <a:fld id="{C53E0F4C-3643-4E21-AA6B-5FA5F43504E5}" type="datetimeFigureOut">
               <a:rPr kumimoji="1" lang="ja-JP" altLang="en-US" smtClean="0"/>
-              <a:t>2022/6/27</a:t>
+              <a:t>2022/6/28</a:t>
             </a:fld>
             <a:endParaRPr kumimoji="1" lang="ja-JP" altLang="en-US"/>
           </a:p>
@@ -2052,7 +2053,7 @@
           <a:p>
             <a:fld id="{C53E0F4C-3643-4E21-AA6B-5FA5F43504E5}" type="datetimeFigureOut">
               <a:rPr kumimoji="1" lang="ja-JP" altLang="en-US" smtClean="0"/>
-              <a:t>2022/6/27</a:t>
+              <a:t>2022/6/28</a:t>
             </a:fld>
             <a:endParaRPr kumimoji="1" lang="ja-JP" altLang="en-US"/>
           </a:p>
@@ -2193,7 +2194,7 @@
           <a:p>
             <a:fld id="{C53E0F4C-3643-4E21-AA6B-5FA5F43504E5}" type="datetimeFigureOut">
               <a:rPr kumimoji="1" lang="ja-JP" altLang="en-US" smtClean="0"/>
-              <a:t>2022/6/27</a:t>
+              <a:t>2022/6/28</a:t>
             </a:fld>
             <a:endParaRPr kumimoji="1" lang="ja-JP" altLang="en-US"/>
           </a:p>
@@ -2306,7 +2307,7 @@
           <a:p>
             <a:fld id="{C53E0F4C-3643-4E21-AA6B-5FA5F43504E5}" type="datetimeFigureOut">
               <a:rPr kumimoji="1" lang="ja-JP" altLang="en-US" smtClean="0"/>
-              <a:t>2022/6/27</a:t>
+              <a:t>2022/6/28</a:t>
             </a:fld>
             <a:endParaRPr kumimoji="1" lang="ja-JP" altLang="en-US"/>
           </a:p>
@@ -2649,7 +2650,7 @@
           <a:p>
             <a:fld id="{C53E0F4C-3643-4E21-AA6B-5FA5F43504E5}" type="datetimeFigureOut">
               <a:rPr kumimoji="1" lang="ja-JP" altLang="en-US" smtClean="0"/>
-              <a:t>2022/6/27</a:t>
+              <a:t>2022/6/28</a:t>
             </a:fld>
             <a:endParaRPr kumimoji="1" lang="ja-JP" altLang="en-US"/>
           </a:p>
@@ -2937,7 +2938,7 @@
           <a:p>
             <a:fld id="{C53E0F4C-3643-4E21-AA6B-5FA5F43504E5}" type="datetimeFigureOut">
               <a:rPr kumimoji="1" lang="ja-JP" altLang="en-US" smtClean="0"/>
-              <a:t>2022/6/27</a:t>
+              <a:t>2022/6/28</a:t>
             </a:fld>
             <a:endParaRPr kumimoji="1" lang="ja-JP" altLang="en-US"/>
           </a:p>
@@ -3210,7 +3211,7 @@
           <a:p>
             <a:fld id="{C53E0F4C-3643-4E21-AA6B-5FA5F43504E5}" type="datetimeFigureOut">
               <a:rPr kumimoji="1" lang="ja-JP" altLang="en-US" smtClean="0"/>
-              <a:t>2022/6/27</a:t>
+              <a:t>2022/6/28</a:t>
             </a:fld>
             <a:endParaRPr kumimoji="1" lang="ja-JP" altLang="en-US"/>
           </a:p>
@@ -4813,6 +4814,242 @@
 </p:sld>
 </file>
 
+<file path=ppt/slides/slide4.xml><?xml version="1.0" encoding="utf-8"?>
+<p:sld xmlns:a="http://schemas.openxmlformats.org/drawingml/2006/main" xmlns:r="http://schemas.openxmlformats.org/officeDocument/2006/relationships" xmlns:p="http://schemas.openxmlformats.org/presentationml/2006/main">
+  <p:cSld>
+    <p:spTree>
+      <p:nvGrpSpPr>
+        <p:cNvPr id="1" name=""/>
+        <p:cNvGrpSpPr/>
+        <p:nvPr/>
+      </p:nvGrpSpPr>
+      <p:grpSpPr>
+        <a:xfrm>
+          <a:off x="0" y="0"/>
+          <a:ext cx="0" cy="0"/>
+          <a:chOff x="0" y="0"/>
+          <a:chExt cx="0" cy="0"/>
+        </a:xfrm>
+      </p:grpSpPr>
+      <p:sp>
+        <p:nvSpPr>
+          <p:cNvPr id="12" name="正方形/長方形 11">
+            <a:extLst>
+              <a:ext uri="{FF2B5EF4-FFF2-40B4-BE49-F238E27FC236}">
+                <a16:creationId xmlns:a16="http://schemas.microsoft.com/office/drawing/2014/main" id="{24660433-A9B4-C4E8-775C-1BA526C5E7EE}"/>
+              </a:ext>
+            </a:extLst>
+          </p:cNvPr>
+          <p:cNvSpPr/>
+          <p:nvPr/>
+        </p:nvSpPr>
+        <p:spPr>
+          <a:xfrm>
+            <a:off x="2445247" y="1443609"/>
+            <a:ext cx="7301501" cy="1176820"/>
+          </a:xfrm>
+          <a:prstGeom prst="rect">
+            <a:avLst/>
+          </a:prstGeom>
+          <a:solidFill>
+            <a:schemeClr val="bg1"/>
+          </a:solidFill>
+          <a:ln w="28575">
+            <a:solidFill>
+              <a:schemeClr val="tx1"/>
+            </a:solidFill>
+          </a:ln>
+        </p:spPr>
+        <p:style>
+          <a:lnRef idx="2">
+            <a:schemeClr val="accent1">
+              <a:shade val="50000"/>
+            </a:schemeClr>
+          </a:lnRef>
+          <a:fillRef idx="1">
+            <a:schemeClr val="accent1"/>
+          </a:fillRef>
+          <a:effectRef idx="0">
+            <a:schemeClr val="accent1"/>
+          </a:effectRef>
+          <a:fontRef idx="minor">
+            <a:schemeClr val="lt1"/>
+          </a:fontRef>
+        </p:style>
+        <p:txBody>
+          <a:bodyPr rtlCol="0" anchor="ctr"/>
+          <a:lstStyle/>
+          <a:p>
+            <a:pPr algn="ctr"/>
+            <a:r>
+              <a:rPr kumimoji="1" lang="en-US" altLang="ja-JP" sz="4800" dirty="0">
+                <a:solidFill>
+                  <a:schemeClr val="tx1"/>
+                </a:solidFill>
+              </a:rPr>
+              <a:t>00:00:00</a:t>
+            </a:r>
+          </a:p>
+        </p:txBody>
+      </p:sp>
+      <p:sp>
+        <p:nvSpPr>
+          <p:cNvPr id="8" name="正方形/長方形 7">
+            <a:extLst>
+              <a:ext uri="{FF2B5EF4-FFF2-40B4-BE49-F238E27FC236}">
+                <a16:creationId xmlns:a16="http://schemas.microsoft.com/office/drawing/2014/main" id="{62DCAE0D-19F1-9B18-207C-46036BEE7AFF}"/>
+              </a:ext>
+            </a:extLst>
+          </p:cNvPr>
+          <p:cNvSpPr/>
+          <p:nvPr/>
+        </p:nvSpPr>
+        <p:spPr>
+          <a:xfrm>
+            <a:off x="3351727" y="4237571"/>
+            <a:ext cx="5488542" cy="884616"/>
+          </a:xfrm>
+          <a:prstGeom prst="rect">
+            <a:avLst/>
+          </a:prstGeom>
+          <a:solidFill>
+            <a:schemeClr val="bg1"/>
+          </a:solidFill>
+          <a:ln w="28575">
+            <a:solidFill>
+              <a:schemeClr val="tx1"/>
+            </a:solidFill>
+          </a:ln>
+        </p:spPr>
+        <p:style>
+          <a:lnRef idx="2">
+            <a:schemeClr val="accent1">
+              <a:shade val="50000"/>
+            </a:schemeClr>
+          </a:lnRef>
+          <a:fillRef idx="1">
+            <a:schemeClr val="accent1"/>
+          </a:fillRef>
+          <a:effectRef idx="0">
+            <a:schemeClr val="accent1"/>
+          </a:effectRef>
+          <a:fontRef idx="minor">
+            <a:schemeClr val="lt1"/>
+          </a:fontRef>
+        </p:style>
+        <p:txBody>
+          <a:bodyPr rtlCol="0" anchor="ctr"/>
+          <a:lstStyle/>
+          <a:p>
+            <a:pPr algn="ctr"/>
+            <a:r>
+              <a:rPr lang="en-US" altLang="ja-JP" sz="4800" dirty="0">
+                <a:solidFill>
+                  <a:schemeClr val="tx1"/>
+                </a:solidFill>
+              </a:rPr>
+              <a:t>1</a:t>
+            </a:r>
+            <a:r>
+              <a:rPr lang="ja-JP" altLang="en-US" sz="4800" dirty="0">
+                <a:solidFill>
+                  <a:schemeClr val="tx1"/>
+                </a:solidFill>
+              </a:rPr>
+              <a:t>分前</a:t>
+            </a:r>
+            <a:endParaRPr kumimoji="1" lang="en-US" altLang="ja-JP" sz="4800" dirty="0">
+              <a:solidFill>
+                <a:schemeClr val="tx1"/>
+              </a:solidFill>
+            </a:endParaRPr>
+          </a:p>
+        </p:txBody>
+      </p:sp>
+      <p:sp>
+        <p:nvSpPr>
+          <p:cNvPr id="2" name="テキスト ボックス 1">
+            <a:extLst>
+              <a:ext uri="{FF2B5EF4-FFF2-40B4-BE49-F238E27FC236}">
+                <a16:creationId xmlns:a16="http://schemas.microsoft.com/office/drawing/2014/main" id="{7F398389-D563-C162-C3E3-D38B3AC5AFBA}"/>
+              </a:ext>
+            </a:extLst>
+          </p:cNvPr>
+          <p:cNvSpPr txBox="1"/>
+          <p:nvPr/>
+        </p:nvSpPr>
+        <p:spPr>
+          <a:xfrm>
+            <a:off x="3236358" y="3616503"/>
+            <a:ext cx="1705512" cy="523220"/>
+          </a:xfrm>
+          <a:prstGeom prst="rect">
+            <a:avLst/>
+          </a:prstGeom>
+          <a:noFill/>
+        </p:spPr>
+        <p:txBody>
+          <a:bodyPr wrap="square" rtlCol="0">
+            <a:spAutoFit/>
+          </a:bodyPr>
+          <a:lstStyle/>
+          <a:p>
+            <a:r>
+              <a:rPr lang="ja-JP" altLang="en-US" sz="2800" dirty="0"/>
+              <a:t>アラーム</a:t>
+            </a:r>
+            <a:endParaRPr kumimoji="1" lang="ja-JP" altLang="en-US" sz="2800" dirty="0"/>
+          </a:p>
+        </p:txBody>
+      </p:sp>
+      <p:sp>
+        <p:nvSpPr>
+          <p:cNvPr id="7" name="テキスト ボックス 6">
+            <a:extLst>
+              <a:ext uri="{FF2B5EF4-FFF2-40B4-BE49-F238E27FC236}">
+                <a16:creationId xmlns:a16="http://schemas.microsoft.com/office/drawing/2014/main" id="{12AF0707-BF0A-8964-CBB7-ACE9A5936C18}"/>
+              </a:ext>
+            </a:extLst>
+          </p:cNvPr>
+          <p:cNvSpPr txBox="1"/>
+          <p:nvPr/>
+        </p:nvSpPr>
+        <p:spPr>
+          <a:xfrm>
+            <a:off x="2445247" y="920389"/>
+            <a:ext cx="1705512" cy="523220"/>
+          </a:xfrm>
+          <a:prstGeom prst="rect">
+            <a:avLst/>
+          </a:prstGeom>
+          <a:noFill/>
+        </p:spPr>
+        <p:txBody>
+          <a:bodyPr wrap="square" rtlCol="0">
+            <a:spAutoFit/>
+          </a:bodyPr>
+          <a:lstStyle/>
+          <a:p>
+            <a:r>
+              <a:rPr kumimoji="1" lang="ja-JP" altLang="en-US" sz="2800" dirty="0"/>
+              <a:t>タイマー</a:t>
+            </a:r>
+          </a:p>
+        </p:txBody>
+      </p:sp>
+    </p:spTree>
+    <p:extLst>
+      <p:ext uri="{BB962C8B-B14F-4D97-AF65-F5344CB8AC3E}">
+        <p14:creationId xmlns:p14="http://schemas.microsoft.com/office/powerpoint/2010/main" val="868548312"/>
+      </p:ext>
+    </p:extLst>
+  </p:cSld>
+  <p:clrMapOvr>
+    <a:masterClrMapping/>
+  </p:clrMapOvr>
+</p:sld>
+</file>
+
 <file path=ppt/theme/theme1.xml><?xml version="1.0" encoding="utf-8"?>
 <a:theme xmlns:a="http://schemas.openxmlformats.org/drawingml/2006/main" name="Office テーマ">
   <a:themeElements>

--- a/SharedTimer/usecase/image/sharedtimer_img.pptx
+++ b/SharedTimer/usecase/image/sharedtimer_img.pptx
@@ -4845,7 +4845,7 @@
         </p:nvSpPr>
         <p:spPr>
           <a:xfrm>
-            <a:off x="2445247" y="1443609"/>
+            <a:off x="2445247" y="1305030"/>
             <a:ext cx="7301501" cy="1176820"/>
           </a:xfrm>
           <a:prstGeom prst="rect">
@@ -4906,7 +4906,7 @@
         </p:nvSpPr>
         <p:spPr>
           <a:xfrm>
-            <a:off x="3351727" y="4237571"/>
+            <a:off x="3351729" y="4014754"/>
             <a:ext cx="5488542" cy="884616"/>
           </a:xfrm>
           <a:prstGeom prst="rect">
@@ -4980,7 +4980,7 @@
         </p:nvSpPr>
         <p:spPr>
           <a:xfrm>
-            <a:off x="3236358" y="3616503"/>
+            <a:off x="3195261" y="3429000"/>
             <a:ext cx="1705512" cy="523220"/>
           </a:xfrm>
           <a:prstGeom prst="rect">
@@ -5016,7 +5016,7 @@
         </p:nvSpPr>
         <p:spPr>
           <a:xfrm>
-            <a:off x="2445247" y="920389"/>
+            <a:off x="2445247" y="683962"/>
             <a:ext cx="1705512" cy="523220"/>
           </a:xfrm>
           <a:prstGeom prst="rect">
@@ -5033,6 +5033,133 @@
             <a:r>
               <a:rPr kumimoji="1" lang="ja-JP" altLang="en-US" sz="2800" dirty="0"/>
               <a:t>タイマー</a:t>
+            </a:r>
+          </a:p>
+        </p:txBody>
+      </p:sp>
+      <p:sp>
+        <p:nvSpPr>
+          <p:cNvPr id="3" name="正方形/長方形 2">
+            <a:extLst>
+              <a:ext uri="{FF2B5EF4-FFF2-40B4-BE49-F238E27FC236}">
+                <a16:creationId xmlns:a16="http://schemas.microsoft.com/office/drawing/2014/main" id="{1E078877-D793-537E-580F-E2B0BC5AE1A7}"/>
+              </a:ext>
+            </a:extLst>
+          </p:cNvPr>
+          <p:cNvSpPr/>
+          <p:nvPr/>
+        </p:nvSpPr>
+        <p:spPr>
+          <a:xfrm>
+            <a:off x="8493138" y="3663401"/>
+            <a:ext cx="347133" cy="347133"/>
+          </a:xfrm>
+          <a:prstGeom prst="rect">
+            <a:avLst/>
+          </a:prstGeom>
+          <a:solidFill>
+            <a:schemeClr val="bg1"/>
+          </a:solidFill>
+          <a:ln w="28575">
+            <a:solidFill>
+              <a:schemeClr val="tx1"/>
+            </a:solidFill>
+          </a:ln>
+        </p:spPr>
+        <p:style>
+          <a:lnRef idx="2">
+            <a:schemeClr val="accent1">
+              <a:shade val="50000"/>
+            </a:schemeClr>
+          </a:lnRef>
+          <a:fillRef idx="1">
+            <a:schemeClr val="accent1"/>
+          </a:fillRef>
+          <a:effectRef idx="0">
+            <a:schemeClr val="accent1"/>
+          </a:effectRef>
+          <a:fontRef idx="minor">
+            <a:schemeClr val="lt1"/>
+          </a:fontRef>
+        </p:style>
+        <p:txBody>
+          <a:bodyPr rtlCol="0" anchor="ctr"/>
+          <a:lstStyle/>
+          <a:p>
+            <a:pPr algn="ctr"/>
+            <a:r>
+              <a:rPr kumimoji="1" lang="en-US" altLang="ja-JP" sz="2000" dirty="0">
+                <a:solidFill>
+                  <a:schemeClr val="tx1"/>
+                </a:solidFill>
+              </a:rPr>
+              <a:t>+</a:t>
+            </a:r>
+            <a:endParaRPr kumimoji="1" lang="ja-JP" altLang="en-US" sz="2000" dirty="0">
+              <a:solidFill>
+                <a:schemeClr val="tx1"/>
+              </a:solidFill>
+            </a:endParaRPr>
+          </a:p>
+        </p:txBody>
+      </p:sp>
+      <p:sp>
+        <p:nvSpPr>
+          <p:cNvPr id="4" name="正方形/長方形 3">
+            <a:extLst>
+              <a:ext uri="{FF2B5EF4-FFF2-40B4-BE49-F238E27FC236}">
+                <a16:creationId xmlns:a16="http://schemas.microsoft.com/office/drawing/2014/main" id="{EF0F7567-607D-3FAF-80B7-B3649E4818FE}"/>
+              </a:ext>
+            </a:extLst>
+          </p:cNvPr>
+          <p:cNvSpPr/>
+          <p:nvPr/>
+        </p:nvSpPr>
+        <p:spPr>
+          <a:xfrm>
+            <a:off x="10191964" y="5979559"/>
+            <a:ext cx="1767155" cy="703780"/>
+          </a:xfrm>
+          <a:prstGeom prst="rect">
+            <a:avLst/>
+          </a:prstGeom>
+          <a:solidFill>
+            <a:schemeClr val="bg1"/>
+          </a:solidFill>
+          <a:ln w="28575">
+            <a:solidFill>
+              <a:schemeClr val="tx1"/>
+            </a:solidFill>
+          </a:ln>
+        </p:spPr>
+        <p:style>
+          <a:lnRef idx="2">
+            <a:schemeClr val="accent1">
+              <a:shade val="50000"/>
+            </a:schemeClr>
+          </a:lnRef>
+          <a:fillRef idx="1">
+            <a:schemeClr val="accent1"/>
+          </a:fillRef>
+          <a:effectRef idx="0">
+            <a:schemeClr val="accent1"/>
+          </a:effectRef>
+          <a:fontRef idx="minor">
+            <a:schemeClr val="lt1"/>
+          </a:fontRef>
+        </p:style>
+        <p:txBody>
+          <a:bodyPr rtlCol="0" anchor="ctr"/>
+          <a:lstStyle/>
+          <a:p>
+            <a:pPr algn="ctr"/>
+            <a:r>
+              <a:rPr kumimoji="1" lang="ja-JP" altLang="en-US" sz="3600" dirty="0">
+                <a:solidFill>
+                  <a:schemeClr val="tx1"/>
+                </a:solidFill>
+              </a:rPr>
+              <a:t>決定</a:t>
             </a:r>
           </a:p>
         </p:txBody>

--- a/SharedTimer/usecase/image/sharedtimer_img.pptx
+++ b/SharedTimer/usecase/image/sharedtimer_img.pptx
@@ -273,7 +273,7 @@
           <a:p>
             <a:fld id="{C53E0F4C-3643-4E21-AA6B-5FA5F43504E5}" type="datetimeFigureOut">
               <a:rPr kumimoji="1" lang="ja-JP" altLang="en-US" smtClean="0"/>
-              <a:t>2022/6/28</a:t>
+              <a:t>2022/7/10</a:t>
             </a:fld>
             <a:endParaRPr kumimoji="1" lang="ja-JP" altLang="en-US"/>
           </a:p>
@@ -503,7 +503,7 @@
           <a:p>
             <a:fld id="{C53E0F4C-3643-4E21-AA6B-5FA5F43504E5}" type="datetimeFigureOut">
               <a:rPr kumimoji="1" lang="ja-JP" altLang="en-US" smtClean="0"/>
-              <a:t>2022/6/28</a:t>
+              <a:t>2022/7/10</a:t>
             </a:fld>
             <a:endParaRPr kumimoji="1" lang="ja-JP" altLang="en-US"/>
           </a:p>
@@ -743,7 +743,7 @@
           <a:p>
             <a:fld id="{C53E0F4C-3643-4E21-AA6B-5FA5F43504E5}" type="datetimeFigureOut">
               <a:rPr kumimoji="1" lang="ja-JP" altLang="en-US" smtClean="0"/>
-              <a:t>2022/6/28</a:t>
+              <a:t>2022/7/10</a:t>
             </a:fld>
             <a:endParaRPr kumimoji="1" lang="ja-JP" altLang="en-US"/>
           </a:p>
@@ -973,7 +973,7 @@
           <a:p>
             <a:fld id="{C53E0F4C-3643-4E21-AA6B-5FA5F43504E5}" type="datetimeFigureOut">
               <a:rPr kumimoji="1" lang="ja-JP" altLang="en-US" smtClean="0"/>
-              <a:t>2022/6/28</a:t>
+              <a:t>2022/7/10</a:t>
             </a:fld>
             <a:endParaRPr kumimoji="1" lang="ja-JP" altLang="en-US"/>
           </a:p>
@@ -1248,7 +1248,7 @@
           <a:p>
             <a:fld id="{C53E0F4C-3643-4E21-AA6B-5FA5F43504E5}" type="datetimeFigureOut">
               <a:rPr kumimoji="1" lang="ja-JP" altLang="en-US" smtClean="0"/>
-              <a:t>2022/6/28</a:t>
+              <a:t>2022/7/10</a:t>
             </a:fld>
             <a:endParaRPr kumimoji="1" lang="ja-JP" altLang="en-US"/>
           </a:p>
@@ -1577,7 +1577,7 @@
           <a:p>
             <a:fld id="{C53E0F4C-3643-4E21-AA6B-5FA5F43504E5}" type="datetimeFigureOut">
               <a:rPr kumimoji="1" lang="ja-JP" altLang="en-US" smtClean="0"/>
-              <a:t>2022/6/28</a:t>
+              <a:t>2022/7/10</a:t>
             </a:fld>
             <a:endParaRPr kumimoji="1" lang="ja-JP" altLang="en-US"/>
           </a:p>
@@ -2053,7 +2053,7 @@
           <a:p>
             <a:fld id="{C53E0F4C-3643-4E21-AA6B-5FA5F43504E5}" type="datetimeFigureOut">
               <a:rPr kumimoji="1" lang="ja-JP" altLang="en-US" smtClean="0"/>
-              <a:t>2022/6/28</a:t>
+              <a:t>2022/7/10</a:t>
             </a:fld>
             <a:endParaRPr kumimoji="1" lang="ja-JP" altLang="en-US"/>
           </a:p>
@@ -2194,7 +2194,7 @@
           <a:p>
             <a:fld id="{C53E0F4C-3643-4E21-AA6B-5FA5F43504E5}" type="datetimeFigureOut">
               <a:rPr kumimoji="1" lang="ja-JP" altLang="en-US" smtClean="0"/>
-              <a:t>2022/6/28</a:t>
+              <a:t>2022/7/10</a:t>
             </a:fld>
             <a:endParaRPr kumimoji="1" lang="ja-JP" altLang="en-US"/>
           </a:p>
@@ -2307,7 +2307,7 @@
           <a:p>
             <a:fld id="{C53E0F4C-3643-4E21-AA6B-5FA5F43504E5}" type="datetimeFigureOut">
               <a:rPr kumimoji="1" lang="ja-JP" altLang="en-US" smtClean="0"/>
-              <a:t>2022/6/28</a:t>
+              <a:t>2022/7/10</a:t>
             </a:fld>
             <a:endParaRPr kumimoji="1" lang="ja-JP" altLang="en-US"/>
           </a:p>
@@ -2650,7 +2650,7 @@
           <a:p>
             <a:fld id="{C53E0F4C-3643-4E21-AA6B-5FA5F43504E5}" type="datetimeFigureOut">
               <a:rPr kumimoji="1" lang="ja-JP" altLang="en-US" smtClean="0"/>
-              <a:t>2022/6/28</a:t>
+              <a:t>2022/7/10</a:t>
             </a:fld>
             <a:endParaRPr kumimoji="1" lang="ja-JP" altLang="en-US"/>
           </a:p>
@@ -2938,7 +2938,7 @@
           <a:p>
             <a:fld id="{C53E0F4C-3643-4E21-AA6B-5FA5F43504E5}" type="datetimeFigureOut">
               <a:rPr kumimoji="1" lang="ja-JP" altLang="en-US" smtClean="0"/>
-              <a:t>2022/6/28</a:t>
+              <a:t>2022/7/10</a:t>
             </a:fld>
             <a:endParaRPr kumimoji="1" lang="ja-JP" altLang="en-US"/>
           </a:p>
@@ -3211,7 +3211,7 @@
           <a:p>
             <a:fld id="{C53E0F4C-3643-4E21-AA6B-5FA5F43504E5}" type="datetimeFigureOut">
               <a:rPr kumimoji="1" lang="ja-JP" altLang="en-US" smtClean="0"/>
-              <a:t>2022/6/28</a:t>
+              <a:t>2022/7/10</a:t>
             </a:fld>
             <a:endParaRPr kumimoji="1" lang="ja-JP" altLang="en-US"/>
           </a:p>
@@ -4274,6 +4274,50 @@
           </a:prstGeom>
         </p:spPr>
       </p:pic>
+      <p:sp>
+        <p:nvSpPr>
+          <p:cNvPr id="2" name="正方形/長方形 1"/>
+          <p:cNvSpPr/>
+          <p:nvPr/>
+        </p:nvSpPr>
+        <p:spPr>
+          <a:xfrm>
+            <a:off x="6230319" y="397267"/>
+            <a:ext cx="1413654" cy="667820"/>
+          </a:xfrm>
+          <a:prstGeom prst="rect">
+            <a:avLst/>
+          </a:prstGeom>
+        </p:spPr>
+        <p:style>
+          <a:lnRef idx="2">
+            <a:schemeClr val="accent1">
+              <a:shade val="50000"/>
+            </a:schemeClr>
+          </a:lnRef>
+          <a:fillRef idx="1">
+            <a:schemeClr val="accent1"/>
+          </a:fillRef>
+          <a:effectRef idx="0">
+            <a:schemeClr val="accent1"/>
+          </a:effectRef>
+          <a:fontRef idx="minor">
+            <a:schemeClr val="lt1"/>
+          </a:fontRef>
+        </p:style>
+        <p:txBody>
+          <a:bodyPr rtlCol="0" anchor="ctr"/>
+          <a:lstStyle/>
+          <a:p>
+            <a:pPr algn="ctr"/>
+            <a:r>
+              <a:rPr kumimoji="1" lang="ja-JP" altLang="en-US" dirty="0" smtClean="0"/>
+              <a:t>更新</a:t>
+            </a:r>
+            <a:endParaRPr kumimoji="1" lang="ja-JP" altLang="en-US" dirty="0"/>
+          </a:p>
+        </p:txBody>
+      </p:sp>
     </p:spTree>
     <p:extLst>
       <p:ext uri="{BB962C8B-B14F-4D97-AF65-F5344CB8AC3E}">
